--- a/source/wavelet.pptx
+++ b/source/wavelet.pptx
@@ -6,6 +6,7 @@
   </p:sldMasterIdLst>
   <p:sldIdLst>
     <p:sldId id="256" r:id="rId2"/>
+    <p:sldId id="258" r:id="rId3"/>
   </p:sldIdLst>
   <p:sldSz cx="12192000" cy="6858000"/>
   <p:notesSz cx="6858000" cy="9144000"/>
@@ -104,6 +105,11 @@
       </a:defRPr>
     </a:lvl9pPr>
   </p:defaultTextStyle>
+  <p:extLst>
+    <p:ext uri="{EFAFB233-063F-42B5-8137-9DF3F51BA10A}">
+      <p15:sldGuideLst xmlns:p15="http://schemas.microsoft.com/office/powerpoint/2012/main"/>
+    </p:ext>
+  </p:extLst>
 </p:presentation>
 </file>
 
@@ -238,7 +244,7 @@
           <a:p>
             <a:fld id="{F32F03A0-E98B-4A9F-9337-1607C88E1D22}" type="datetimeFigureOut">
               <a:rPr lang="en-US" smtClean="0"/>
-              <a:t>12/22/2015</a:t>
+              <a:t>1/4/2016</a:t>
             </a:fld>
             <a:endParaRPr lang="en-US"/>
           </a:p>
@@ -408,7 +414,7 @@
           <a:p>
             <a:fld id="{F32F03A0-E98B-4A9F-9337-1607C88E1D22}" type="datetimeFigureOut">
               <a:rPr lang="en-US" smtClean="0"/>
-              <a:t>12/22/2015</a:t>
+              <a:t>1/4/2016</a:t>
             </a:fld>
             <a:endParaRPr lang="en-US"/>
           </a:p>
@@ -588,7 +594,7 @@
           <a:p>
             <a:fld id="{F32F03A0-E98B-4A9F-9337-1607C88E1D22}" type="datetimeFigureOut">
               <a:rPr lang="en-US" smtClean="0"/>
-              <a:t>12/22/2015</a:t>
+              <a:t>1/4/2016</a:t>
             </a:fld>
             <a:endParaRPr lang="en-US"/>
           </a:p>
@@ -758,7 +764,7 @@
           <a:p>
             <a:fld id="{F32F03A0-E98B-4A9F-9337-1607C88E1D22}" type="datetimeFigureOut">
               <a:rPr lang="en-US" smtClean="0"/>
-              <a:t>12/22/2015</a:t>
+              <a:t>1/4/2016</a:t>
             </a:fld>
             <a:endParaRPr lang="en-US"/>
           </a:p>
@@ -1004,7 +1010,7 @@
           <a:p>
             <a:fld id="{F32F03A0-E98B-4A9F-9337-1607C88E1D22}" type="datetimeFigureOut">
               <a:rPr lang="en-US" smtClean="0"/>
-              <a:t>12/22/2015</a:t>
+              <a:t>1/4/2016</a:t>
             </a:fld>
             <a:endParaRPr lang="en-US"/>
           </a:p>
@@ -1236,7 +1242,7 @@
           <a:p>
             <a:fld id="{F32F03A0-E98B-4A9F-9337-1607C88E1D22}" type="datetimeFigureOut">
               <a:rPr lang="en-US" smtClean="0"/>
-              <a:t>12/22/2015</a:t>
+              <a:t>1/4/2016</a:t>
             </a:fld>
             <a:endParaRPr lang="en-US"/>
           </a:p>
@@ -1603,7 +1609,7 @@
           <a:p>
             <a:fld id="{F32F03A0-E98B-4A9F-9337-1607C88E1D22}" type="datetimeFigureOut">
               <a:rPr lang="en-US" smtClean="0"/>
-              <a:t>12/22/2015</a:t>
+              <a:t>1/4/2016</a:t>
             </a:fld>
             <a:endParaRPr lang="en-US"/>
           </a:p>
@@ -1721,7 +1727,7 @@
           <a:p>
             <a:fld id="{F32F03A0-E98B-4A9F-9337-1607C88E1D22}" type="datetimeFigureOut">
               <a:rPr lang="en-US" smtClean="0"/>
-              <a:t>12/22/2015</a:t>
+              <a:t>1/4/2016</a:t>
             </a:fld>
             <a:endParaRPr lang="en-US"/>
           </a:p>
@@ -1816,7 +1822,7 @@
           <a:p>
             <a:fld id="{F32F03A0-E98B-4A9F-9337-1607C88E1D22}" type="datetimeFigureOut">
               <a:rPr lang="en-US" smtClean="0"/>
-              <a:t>12/22/2015</a:t>
+              <a:t>1/4/2016</a:t>
             </a:fld>
             <a:endParaRPr lang="en-US"/>
           </a:p>
@@ -2093,7 +2099,7 @@
           <a:p>
             <a:fld id="{F32F03A0-E98B-4A9F-9337-1607C88E1D22}" type="datetimeFigureOut">
               <a:rPr lang="en-US" smtClean="0"/>
-              <a:t>12/22/2015</a:t>
+              <a:t>1/4/2016</a:t>
             </a:fld>
             <a:endParaRPr lang="en-US"/>
           </a:p>
@@ -2346,7 +2352,7 @@
           <a:p>
             <a:fld id="{F32F03A0-E98B-4A9F-9337-1607C88E1D22}" type="datetimeFigureOut">
               <a:rPr lang="en-US" smtClean="0"/>
-              <a:t>12/22/2015</a:t>
+              <a:t>1/4/2016</a:t>
             </a:fld>
             <a:endParaRPr lang="en-US"/>
           </a:p>
@@ -2559,7 +2565,7 @@
           <a:p>
             <a:fld id="{F32F03A0-E98B-4A9F-9337-1607C88E1D22}" type="datetimeFigureOut">
               <a:rPr lang="en-US" smtClean="0"/>
-              <a:t>12/22/2015</a:t>
+              <a:t>1/4/2016</a:t>
             </a:fld>
             <a:endParaRPr lang="en-US"/>
           </a:p>
@@ -3175,6 +3181,226 @@
 </p:sld>
 </file>
 
+<file path=ppt/slides/slide2.xml><?xml version="1.0" encoding="utf-8"?>
+<p:sld xmlns:a="http://schemas.openxmlformats.org/drawingml/2006/main" xmlns:r="http://schemas.openxmlformats.org/officeDocument/2006/relationships" xmlns:p="http://schemas.openxmlformats.org/presentationml/2006/main">
+  <p:cSld>
+    <p:spTree>
+      <p:nvGrpSpPr>
+        <p:cNvPr id="1" name=""/>
+        <p:cNvGrpSpPr/>
+        <p:nvPr/>
+      </p:nvGrpSpPr>
+      <p:grpSpPr>
+        <a:xfrm>
+          <a:off x="0" y="0"/>
+          <a:ext cx="0" cy="0"/>
+          <a:chOff x="0" y="0"/>
+          <a:chExt cx="0" cy="0"/>
+        </a:xfrm>
+      </p:grpSpPr>
+      <p:pic>
+        <p:nvPicPr>
+          <p:cNvPr id="7" name="Picture 6"/>
+          <p:cNvPicPr>
+            <a:picLocks noChangeAspect="1"/>
+          </p:cNvPicPr>
+          <p:nvPr/>
+        </p:nvPicPr>
+        <p:blipFill>
+          <a:blip r:embed="rId2" cstate="print">
+            <a:extLst>
+              <a:ext uri="{28A0092B-C50C-407E-A947-70E740481C1C}">
+                <a14:useLocalDpi xmlns:a14="http://schemas.microsoft.com/office/drawing/2010/main" val="0"/>
+              </a:ext>
+            </a:extLst>
+          </a:blip>
+          <a:stretch>
+            <a:fillRect/>
+          </a:stretch>
+        </p:blipFill>
+        <p:spPr>
+          <a:xfrm>
+            <a:off x="2247777" y="801859"/>
+            <a:ext cx="4113960" cy="2743200"/>
+          </a:xfrm>
+          <a:prstGeom prst="rect">
+            <a:avLst/>
+          </a:prstGeom>
+        </p:spPr>
+      </p:pic>
+      <p:cxnSp>
+        <p:nvCxnSpPr>
+          <p:cNvPr id="14" name="Straight Connector 13"/>
+          <p:cNvCxnSpPr/>
+          <p:nvPr/>
+        </p:nvCxnSpPr>
+        <p:spPr>
+          <a:xfrm>
+            <a:off x="2247777" y="3573195"/>
+            <a:ext cx="8227920" cy="0"/>
+          </a:xfrm>
+          <a:prstGeom prst="line">
+            <a:avLst/>
+          </a:prstGeom>
+          <a:ln w="57150">
+            <a:solidFill>
+              <a:schemeClr val="bg1"/>
+            </a:solidFill>
+          </a:ln>
+        </p:spPr>
+        <p:style>
+          <a:lnRef idx="1">
+            <a:schemeClr val="accent1"/>
+          </a:lnRef>
+          <a:fillRef idx="0">
+            <a:schemeClr val="accent1"/>
+          </a:fillRef>
+          <a:effectRef idx="0">
+            <a:schemeClr val="accent1"/>
+          </a:effectRef>
+          <a:fontRef idx="minor">
+            <a:schemeClr val="tx1"/>
+          </a:fontRef>
+        </p:style>
+      </p:cxnSp>
+      <p:cxnSp>
+        <p:nvCxnSpPr>
+          <p:cNvPr id="16" name="Straight Connector 15"/>
+          <p:cNvCxnSpPr/>
+          <p:nvPr/>
+        </p:nvCxnSpPr>
+        <p:spPr>
+          <a:xfrm>
+            <a:off x="6361737" y="801859"/>
+            <a:ext cx="0" cy="5486400"/>
+          </a:xfrm>
+          <a:prstGeom prst="line">
+            <a:avLst/>
+          </a:prstGeom>
+          <a:ln w="57150">
+            <a:solidFill>
+              <a:schemeClr val="bg1"/>
+            </a:solidFill>
+          </a:ln>
+        </p:spPr>
+        <p:style>
+          <a:lnRef idx="1">
+            <a:schemeClr val="accent1"/>
+          </a:lnRef>
+          <a:fillRef idx="0">
+            <a:schemeClr val="accent1"/>
+          </a:fillRef>
+          <a:effectRef idx="0">
+            <a:schemeClr val="accent1"/>
+          </a:effectRef>
+          <a:fontRef idx="minor">
+            <a:schemeClr val="tx1"/>
+          </a:fontRef>
+        </p:style>
+      </p:cxnSp>
+      <p:pic>
+        <p:nvPicPr>
+          <p:cNvPr id="2" name="Picture 1"/>
+          <p:cNvPicPr>
+            <a:picLocks noChangeAspect="1"/>
+          </p:cNvPicPr>
+          <p:nvPr/>
+        </p:nvPicPr>
+        <p:blipFill>
+          <a:blip r:embed="rId3">
+            <a:extLst>
+              <a:ext uri="{28A0092B-C50C-407E-A947-70E740481C1C}">
+                <a14:useLocalDpi xmlns:a14="http://schemas.microsoft.com/office/drawing/2010/main" val="0"/>
+              </a:ext>
+            </a:extLst>
+          </a:blip>
+          <a:stretch>
+            <a:fillRect/>
+          </a:stretch>
+        </p:blipFill>
+        <p:spPr>
+          <a:xfrm>
+            <a:off x="6462712" y="797952"/>
+            <a:ext cx="4113961" cy="2747107"/>
+          </a:xfrm>
+          <a:prstGeom prst="rect">
+            <a:avLst/>
+          </a:prstGeom>
+        </p:spPr>
+      </p:pic>
+      <p:pic>
+        <p:nvPicPr>
+          <p:cNvPr id="3" name="Picture 2"/>
+          <p:cNvPicPr>
+            <a:picLocks noChangeAspect="1"/>
+          </p:cNvPicPr>
+          <p:nvPr/>
+        </p:nvPicPr>
+        <p:blipFill>
+          <a:blip r:embed="rId4">
+            <a:extLst>
+              <a:ext uri="{28A0092B-C50C-407E-A947-70E740481C1C}">
+                <a14:useLocalDpi xmlns:a14="http://schemas.microsoft.com/office/drawing/2010/main" val="0"/>
+              </a:ext>
+            </a:extLst>
+          </a:blip>
+          <a:stretch>
+            <a:fillRect/>
+          </a:stretch>
+        </p:blipFill>
+        <p:spPr>
+          <a:xfrm>
+            <a:off x="2247777" y="3597425"/>
+            <a:ext cx="4113959" cy="2690834"/>
+          </a:xfrm>
+          <a:prstGeom prst="rect">
+            <a:avLst/>
+          </a:prstGeom>
+        </p:spPr>
+      </p:pic>
+      <p:pic>
+        <p:nvPicPr>
+          <p:cNvPr id="4" name="Picture 3"/>
+          <p:cNvPicPr>
+            <a:picLocks noChangeAspect="1"/>
+          </p:cNvPicPr>
+          <p:nvPr/>
+        </p:nvPicPr>
+        <p:blipFill>
+          <a:blip r:embed="rId5">
+            <a:extLst>
+              <a:ext uri="{28A0092B-C50C-407E-A947-70E740481C1C}">
+                <a14:useLocalDpi xmlns:a14="http://schemas.microsoft.com/office/drawing/2010/main" val="0"/>
+              </a:ext>
+            </a:extLst>
+          </a:blip>
+          <a:stretch>
+            <a:fillRect/>
+          </a:stretch>
+        </p:blipFill>
+        <p:spPr>
+          <a:xfrm>
+            <a:off x="6462712" y="3597425"/>
+            <a:ext cx="4113961" cy="2690834"/>
+          </a:xfrm>
+          <a:prstGeom prst="rect">
+            <a:avLst/>
+          </a:prstGeom>
+        </p:spPr>
+      </p:pic>
+    </p:spTree>
+    <p:extLst>
+      <p:ext uri="{BB962C8B-B14F-4D97-AF65-F5344CB8AC3E}">
+        <p14:creationId xmlns:p14="http://schemas.microsoft.com/office/powerpoint/2010/main" val="212557341"/>
+      </p:ext>
+    </p:extLst>
+  </p:cSld>
+  <p:clrMapOvr>
+    <a:masterClrMapping/>
+  </p:clrMapOvr>
+</p:sld>
+</file>
+
 <file path=ppt/theme/theme1.xml><?xml version="1.0" encoding="utf-8"?>
 <a:theme xmlns:a="http://schemas.openxmlformats.org/drawingml/2006/main" name="Office Theme">
   <a:themeElements>

--- a/source/wavelet.pptx
+++ b/source/wavelet.pptx
@@ -6,7 +6,8 @@
   </p:sldMasterIdLst>
   <p:sldIdLst>
     <p:sldId id="256" r:id="rId2"/>
-    <p:sldId id="258" r:id="rId3"/>
+    <p:sldId id="259" r:id="rId3"/>
+    <p:sldId id="258" r:id="rId4"/>
   </p:sldIdLst>
   <p:sldSz cx="12192000" cy="6858000"/>
   <p:notesSz cx="6858000" cy="9144000"/>
@@ -244,7 +245,7 @@
           <a:p>
             <a:fld id="{F32F03A0-E98B-4A9F-9337-1607C88E1D22}" type="datetimeFigureOut">
               <a:rPr lang="en-US" smtClean="0"/>
-              <a:t>1/4/2016</a:t>
+              <a:t>1/6/2016</a:t>
             </a:fld>
             <a:endParaRPr lang="en-US"/>
           </a:p>
@@ -414,7 +415,7 @@
           <a:p>
             <a:fld id="{F32F03A0-E98B-4A9F-9337-1607C88E1D22}" type="datetimeFigureOut">
               <a:rPr lang="en-US" smtClean="0"/>
-              <a:t>1/4/2016</a:t>
+              <a:t>1/6/2016</a:t>
             </a:fld>
             <a:endParaRPr lang="en-US"/>
           </a:p>
@@ -594,7 +595,7 @@
           <a:p>
             <a:fld id="{F32F03A0-E98B-4A9F-9337-1607C88E1D22}" type="datetimeFigureOut">
               <a:rPr lang="en-US" smtClean="0"/>
-              <a:t>1/4/2016</a:t>
+              <a:t>1/6/2016</a:t>
             </a:fld>
             <a:endParaRPr lang="en-US"/>
           </a:p>
@@ -764,7 +765,7 @@
           <a:p>
             <a:fld id="{F32F03A0-E98B-4A9F-9337-1607C88E1D22}" type="datetimeFigureOut">
               <a:rPr lang="en-US" smtClean="0"/>
-              <a:t>1/4/2016</a:t>
+              <a:t>1/6/2016</a:t>
             </a:fld>
             <a:endParaRPr lang="en-US"/>
           </a:p>
@@ -1010,7 +1011,7 @@
           <a:p>
             <a:fld id="{F32F03A0-E98B-4A9F-9337-1607C88E1D22}" type="datetimeFigureOut">
               <a:rPr lang="en-US" smtClean="0"/>
-              <a:t>1/4/2016</a:t>
+              <a:t>1/6/2016</a:t>
             </a:fld>
             <a:endParaRPr lang="en-US"/>
           </a:p>
@@ -1242,7 +1243,7 @@
           <a:p>
             <a:fld id="{F32F03A0-E98B-4A9F-9337-1607C88E1D22}" type="datetimeFigureOut">
               <a:rPr lang="en-US" smtClean="0"/>
-              <a:t>1/4/2016</a:t>
+              <a:t>1/6/2016</a:t>
             </a:fld>
             <a:endParaRPr lang="en-US"/>
           </a:p>
@@ -1609,7 +1610,7 @@
           <a:p>
             <a:fld id="{F32F03A0-E98B-4A9F-9337-1607C88E1D22}" type="datetimeFigureOut">
               <a:rPr lang="en-US" smtClean="0"/>
-              <a:t>1/4/2016</a:t>
+              <a:t>1/6/2016</a:t>
             </a:fld>
             <a:endParaRPr lang="en-US"/>
           </a:p>
@@ -1727,7 +1728,7 @@
           <a:p>
             <a:fld id="{F32F03A0-E98B-4A9F-9337-1607C88E1D22}" type="datetimeFigureOut">
               <a:rPr lang="en-US" smtClean="0"/>
-              <a:t>1/4/2016</a:t>
+              <a:t>1/6/2016</a:t>
             </a:fld>
             <a:endParaRPr lang="en-US"/>
           </a:p>
@@ -1822,7 +1823,7 @@
           <a:p>
             <a:fld id="{F32F03A0-E98B-4A9F-9337-1607C88E1D22}" type="datetimeFigureOut">
               <a:rPr lang="en-US" smtClean="0"/>
-              <a:t>1/4/2016</a:t>
+              <a:t>1/6/2016</a:t>
             </a:fld>
             <a:endParaRPr lang="en-US"/>
           </a:p>
@@ -2099,7 +2100,7 @@
           <a:p>
             <a:fld id="{F32F03A0-E98B-4A9F-9337-1607C88E1D22}" type="datetimeFigureOut">
               <a:rPr lang="en-US" smtClean="0"/>
-              <a:t>1/4/2016</a:t>
+              <a:t>1/6/2016</a:t>
             </a:fld>
             <a:endParaRPr lang="en-US"/>
           </a:p>
@@ -2352,7 +2353,7 @@
           <a:p>
             <a:fld id="{F32F03A0-E98B-4A9F-9337-1607C88E1D22}" type="datetimeFigureOut">
               <a:rPr lang="en-US" smtClean="0"/>
-              <a:t>1/4/2016</a:t>
+              <a:t>1/6/2016</a:t>
             </a:fld>
             <a:endParaRPr lang="en-US"/>
           </a:p>
@@ -2565,7 +2566,7 @@
           <a:p>
             <a:fld id="{F32F03A0-E98B-4A9F-9337-1607C88E1D22}" type="datetimeFigureOut">
               <a:rPr lang="en-US" smtClean="0"/>
-              <a:t>1/4/2016</a:t>
+              <a:t>1/6/2016</a:t>
             </a:fld>
             <a:endParaRPr lang="en-US"/>
           </a:p>
@@ -3228,6 +3229,234 @@
           </a:prstGeom>
         </p:spPr>
       </p:pic>
+      <p:pic>
+        <p:nvPicPr>
+          <p:cNvPr id="8" name="Picture 7"/>
+          <p:cNvPicPr>
+            <a:picLocks noChangeAspect="1"/>
+          </p:cNvPicPr>
+          <p:nvPr/>
+        </p:nvPicPr>
+        <p:blipFill>
+          <a:blip r:embed="rId3" cstate="print">
+            <a:extLst>
+              <a:ext uri="{28A0092B-C50C-407E-A947-70E740481C1C}">
+                <a14:useLocalDpi xmlns:a14="http://schemas.microsoft.com/office/drawing/2010/main" val="0"/>
+              </a:ext>
+            </a:extLst>
+          </a:blip>
+          <a:stretch>
+            <a:fillRect/>
+          </a:stretch>
+        </p:blipFill>
+        <p:spPr>
+          <a:xfrm>
+            <a:off x="6361737" y="801859"/>
+            <a:ext cx="4113960" cy="2743200"/>
+          </a:xfrm>
+          <a:prstGeom prst="rect">
+            <a:avLst/>
+          </a:prstGeom>
+        </p:spPr>
+      </p:pic>
+      <p:pic>
+        <p:nvPicPr>
+          <p:cNvPr id="11" name="Picture 10"/>
+          <p:cNvPicPr>
+            <a:picLocks noChangeAspect="1"/>
+          </p:cNvPicPr>
+          <p:nvPr/>
+        </p:nvPicPr>
+        <p:blipFill>
+          <a:blip r:embed="rId4" cstate="print">
+            <a:extLst>
+              <a:ext uri="{28A0092B-C50C-407E-A947-70E740481C1C}">
+                <a14:useLocalDpi xmlns:a14="http://schemas.microsoft.com/office/drawing/2010/main" val="0"/>
+              </a:ext>
+            </a:extLst>
+          </a:blip>
+          <a:stretch>
+            <a:fillRect/>
+          </a:stretch>
+        </p:blipFill>
+        <p:spPr>
+          <a:xfrm>
+            <a:off x="2247777" y="3545059"/>
+            <a:ext cx="4113960" cy="2743200"/>
+          </a:xfrm>
+          <a:prstGeom prst="rect">
+            <a:avLst/>
+          </a:prstGeom>
+        </p:spPr>
+      </p:pic>
+      <p:pic>
+        <p:nvPicPr>
+          <p:cNvPr id="12" name="Picture 11"/>
+          <p:cNvPicPr>
+            <a:picLocks noChangeAspect="1"/>
+          </p:cNvPicPr>
+          <p:nvPr/>
+        </p:nvPicPr>
+        <p:blipFill>
+          <a:blip r:embed="rId5" cstate="print">
+            <a:extLst>
+              <a:ext uri="{28A0092B-C50C-407E-A947-70E740481C1C}">
+                <a14:useLocalDpi xmlns:a14="http://schemas.microsoft.com/office/drawing/2010/main" val="0"/>
+              </a:ext>
+            </a:extLst>
+          </a:blip>
+          <a:stretch>
+            <a:fillRect/>
+          </a:stretch>
+        </p:blipFill>
+        <p:spPr>
+          <a:xfrm>
+            <a:off x="6361737" y="3545059"/>
+            <a:ext cx="4113960" cy="2743200"/>
+          </a:xfrm>
+          <a:prstGeom prst="rect">
+            <a:avLst/>
+          </a:prstGeom>
+        </p:spPr>
+      </p:pic>
+      <p:cxnSp>
+        <p:nvCxnSpPr>
+          <p:cNvPr id="14" name="Straight Connector 13"/>
+          <p:cNvCxnSpPr/>
+          <p:nvPr/>
+        </p:nvCxnSpPr>
+        <p:spPr>
+          <a:xfrm>
+            <a:off x="2247777" y="3573195"/>
+            <a:ext cx="8227920" cy="0"/>
+          </a:xfrm>
+          <a:prstGeom prst="line">
+            <a:avLst/>
+          </a:prstGeom>
+          <a:ln w="57150">
+            <a:solidFill>
+              <a:schemeClr val="bg1"/>
+            </a:solidFill>
+          </a:ln>
+        </p:spPr>
+        <p:style>
+          <a:lnRef idx="1">
+            <a:schemeClr val="accent1"/>
+          </a:lnRef>
+          <a:fillRef idx="0">
+            <a:schemeClr val="accent1"/>
+          </a:fillRef>
+          <a:effectRef idx="0">
+            <a:schemeClr val="accent1"/>
+          </a:effectRef>
+          <a:fontRef idx="minor">
+            <a:schemeClr val="tx1"/>
+          </a:fontRef>
+        </p:style>
+      </p:cxnSp>
+      <p:cxnSp>
+        <p:nvCxnSpPr>
+          <p:cNvPr id="16" name="Straight Connector 15"/>
+          <p:cNvCxnSpPr/>
+          <p:nvPr/>
+        </p:nvCxnSpPr>
+        <p:spPr>
+          <a:xfrm>
+            <a:off x="6361737" y="801859"/>
+            <a:ext cx="0" cy="5486400"/>
+          </a:xfrm>
+          <a:prstGeom prst="line">
+            <a:avLst/>
+          </a:prstGeom>
+          <a:ln w="57150">
+            <a:solidFill>
+              <a:schemeClr val="bg1"/>
+            </a:solidFill>
+          </a:ln>
+        </p:spPr>
+        <p:style>
+          <a:lnRef idx="1">
+            <a:schemeClr val="accent1"/>
+          </a:lnRef>
+          <a:fillRef idx="0">
+            <a:schemeClr val="accent1"/>
+          </a:fillRef>
+          <a:effectRef idx="0">
+            <a:schemeClr val="accent1"/>
+          </a:effectRef>
+          <a:fontRef idx="minor">
+            <a:schemeClr val="tx1"/>
+          </a:fontRef>
+        </p:style>
+      </p:cxnSp>
+    </p:spTree>
+    <p:extLst>
+      <p:ext uri="{BB962C8B-B14F-4D97-AF65-F5344CB8AC3E}">
+        <p14:creationId xmlns:p14="http://schemas.microsoft.com/office/powerpoint/2010/main" val="3365953371"/>
+      </p:ext>
+    </p:extLst>
+  </p:cSld>
+  <p:clrMapOvr>
+    <a:masterClrMapping/>
+  </p:clrMapOvr>
+</p:sld>
+</file>
+
+<file path=ppt/slides/slide3.xml><?xml version="1.0" encoding="utf-8"?>
+<p:sld xmlns:a="http://schemas.openxmlformats.org/drawingml/2006/main" xmlns:r="http://schemas.openxmlformats.org/officeDocument/2006/relationships" xmlns:p="http://schemas.openxmlformats.org/presentationml/2006/main">
+  <p:cSld>
+    <p:bg>
+      <p:bgPr>
+        <a:solidFill>
+          <a:srgbClr val="FFFF00"/>
+        </a:solidFill>
+        <a:effectLst/>
+      </p:bgPr>
+    </p:bg>
+    <p:spTree>
+      <p:nvGrpSpPr>
+        <p:cNvPr id="1" name=""/>
+        <p:cNvGrpSpPr/>
+        <p:nvPr/>
+      </p:nvGrpSpPr>
+      <p:grpSpPr>
+        <a:xfrm>
+          <a:off x="0" y="0"/>
+          <a:ext cx="0" cy="0"/>
+          <a:chOff x="0" y="0"/>
+          <a:chExt cx="0" cy="0"/>
+        </a:xfrm>
+      </p:grpSpPr>
+      <p:pic>
+        <p:nvPicPr>
+          <p:cNvPr id="7" name="Picture 6"/>
+          <p:cNvPicPr>
+            <a:picLocks noChangeAspect="1"/>
+          </p:cNvPicPr>
+          <p:nvPr/>
+        </p:nvPicPr>
+        <p:blipFill>
+          <a:blip r:embed="rId2">
+            <a:extLst>
+              <a:ext uri="{28A0092B-C50C-407E-A947-70E740481C1C}">
+                <a14:useLocalDpi xmlns:a14="http://schemas.microsoft.com/office/drawing/2010/main" val="0"/>
+              </a:ext>
+            </a:extLst>
+          </a:blip>
+          <a:stretch>
+            <a:fillRect/>
+          </a:stretch>
+        </p:blipFill>
+        <p:spPr>
+          <a:xfrm>
+            <a:off x="2302343" y="800182"/>
+            <a:ext cx="4032961" cy="2743200"/>
+          </a:xfrm>
+          <a:prstGeom prst="rect">
+            <a:avLst/>
+          </a:prstGeom>
+        </p:spPr>
+      </p:pic>
       <p:cxnSp>
         <p:nvCxnSpPr>
           <p:cNvPr id="14" name="Straight Connector 13"/>
@@ -3320,8 +3549,8 @@
         </p:blipFill>
         <p:spPr>
           <a:xfrm>
-            <a:off x="6462712" y="797952"/>
-            <a:ext cx="4113961" cy="2747107"/>
+            <a:off x="6388170" y="800182"/>
+            <a:ext cx="4073459" cy="2744877"/>
           </a:xfrm>
           <a:prstGeom prst="rect">
             <a:avLst/>
@@ -3350,8 +3579,8 @@
         </p:blipFill>
         <p:spPr>
           <a:xfrm>
-            <a:off x="2247777" y="3597425"/>
-            <a:ext cx="4113959" cy="2690834"/>
+            <a:off x="2302344" y="3597425"/>
+            <a:ext cx="4032961" cy="2690834"/>
           </a:xfrm>
           <a:prstGeom prst="rect">
             <a:avLst/>
@@ -3380,8 +3609,8 @@
         </p:blipFill>
         <p:spPr>
           <a:xfrm>
-            <a:off x="6462712" y="3597425"/>
-            <a:ext cx="4113961" cy="2690834"/>
+            <a:off x="6388170" y="3597425"/>
+            <a:ext cx="4073459" cy="2690834"/>
           </a:xfrm>
           <a:prstGeom prst="rect">
             <a:avLst/>
